--- a/01.Lessions/01-Getting-Started/01-Getting-Started.pptx
+++ b/01.Lessions/01-Getting-Started/01-Getting-Started.pptx
@@ -27,6 +27,7 @@
     <p:sldId id="275" r:id="rId21"/>
     <p:sldId id="276" r:id="rId22"/>
     <p:sldId id="277" r:id="rId23"/>
+    <p:sldId id="278" r:id="rId24"/>
   </p:sldIdLst>
   <p:sldSz cx="9144000" cy="6858000" type="screen4x3"/>
   <p:notesSz cx="6858000" cy="9144000"/>
@@ -617,7 +618,7 @@
           <a:p>
             <a:fld id="{C764DE79-268F-4C1A-8933-263129D2AF90}" type="datetimeFigureOut">
               <a:rPr lang="en-US" dirty="0"/>
-              <a:t>11/2/2023</a:t>
+              <a:t>11/3/2023</a:t>
             </a:fld>
             <a:endParaRPr lang="en-US" dirty="0"/>
           </a:p>
@@ -1610,6 +1611,95 @@
         <p:spPr>
           <a:xfrm>
             <a:off x="911384" y="4196581"/>
+            <a:ext cx="116062" cy="116062"/>
+          </a:xfrm>
+          <a:prstGeom prst="diamond">
+            <a:avLst/>
+          </a:prstGeom>
+          <a:solidFill>
+            <a:schemeClr val="bg1"/>
+          </a:solidFill>
+          <a:ln>
+            <a:noFill/>
+          </a:ln>
+        </p:spPr>
+        <p:style>
+          <a:lnRef idx="2">
+            <a:schemeClr val="accent1">
+              <a:shade val="50000"/>
+            </a:schemeClr>
+          </a:lnRef>
+          <a:fillRef idx="1">
+            <a:schemeClr val="accent1"/>
+          </a:fillRef>
+          <a:effectRef idx="0">
+            <a:schemeClr val="accent1"/>
+          </a:effectRef>
+          <a:fontRef idx="minor">
+            <a:schemeClr val="lt1"/>
+          </a:fontRef>
+        </p:style>
+        <p:txBody>
+          <a:bodyPr rot="0" spcFirstLastPara="0" vertOverflow="overflow" horzOverflow="overflow" vert="horz" wrap="square" lIns="91440" tIns="45720" rIns="91440" bIns="45720" numCol="1" spcCol="0" rtlCol="0" fromWordArt="0" anchor="ctr" anchorCtr="0" forceAA="0" compatLnSpc="1">
+            <a:prstTxWarp prst="textNoShape">
+              <a:avLst/>
+            </a:prstTxWarp>
+            <a:noAutofit/>
+          </a:bodyPr>
+          <a:lstStyle/>
+          <a:p>
+            <a:pPr algn="ctr"/>
+            <a:endParaRPr lang="en-US"/>
+          </a:p>
+        </p:txBody>
+      </p:sp>
+      <p:sp>
+        <p:nvSpPr>
+          <p:cNvPr id="17" name="TextBox 16"/>
+          <p:cNvSpPr txBox="1"/>
+          <p:nvPr/>
+        </p:nvSpPr>
+        <p:spPr>
+          <a:xfrm>
+            <a:off x="1054605" y="4611408"/>
+            <a:ext cx="3322621" cy="369332"/>
+          </a:xfrm>
+          <a:prstGeom prst="rect">
+            <a:avLst/>
+          </a:prstGeom>
+          <a:noFill/>
+        </p:spPr>
+        <p:txBody>
+          <a:bodyPr wrap="square" rtlCol="0">
+            <a:spAutoFit/>
+          </a:bodyPr>
+          <a:lstStyle/>
+          <a:p>
+            <a:r>
+              <a:rPr lang="en-US" dirty="0">
+                <a:solidFill>
+                  <a:schemeClr val="bg1"/>
+                </a:solidFill>
+              </a:rPr>
+              <a:t>PostgreSQL Commands</a:t>
+            </a:r>
+            <a:endParaRPr lang="en-US" dirty="0">
+              <a:solidFill>
+                <a:schemeClr val="bg1"/>
+              </a:solidFill>
+            </a:endParaRPr>
+          </a:p>
+        </p:txBody>
+      </p:sp>
+      <p:sp>
+        <p:nvSpPr>
+          <p:cNvPr id="18" name="Diamond 17"/>
+          <p:cNvSpPr/>
+          <p:nvPr/>
+        </p:nvSpPr>
+        <p:spPr>
+          <a:xfrm>
+            <a:off x="911384" y="4721682"/>
             <a:ext cx="116062" cy="116062"/>
           </a:xfrm>
           <a:prstGeom prst="diamond">
@@ -12579,6 +12669,1201 @@
 </p:sld>
 </file>
 
+<file path=ppt/slides/slide23.xml><?xml version="1.0" encoding="utf-8"?>
+<p:sld xmlns:a="http://schemas.openxmlformats.org/drawingml/2006/main" xmlns:r="http://schemas.openxmlformats.org/officeDocument/2006/relationships" xmlns:p="http://schemas.openxmlformats.org/presentationml/2006/main">
+  <p:cSld>
+    <p:spTree>
+      <p:nvGrpSpPr>
+        <p:cNvPr id="1" name=""/>
+        <p:cNvGrpSpPr/>
+        <p:nvPr/>
+      </p:nvGrpSpPr>
+      <p:grpSpPr>
+        <a:xfrm>
+          <a:off x="0" y="0"/>
+          <a:ext cx="0" cy="0"/>
+          <a:chOff x="0" y="0"/>
+          <a:chExt cx="0" cy="0"/>
+        </a:xfrm>
+      </p:grpSpPr>
+      <p:sp>
+        <p:nvSpPr>
+          <p:cNvPr id="3" name="TextBox 2"/>
+          <p:cNvSpPr txBox="1"/>
+          <p:nvPr/>
+        </p:nvSpPr>
+        <p:spPr>
+          <a:xfrm>
+            <a:off x="805756" y="556143"/>
+            <a:ext cx="7749769" cy="584775"/>
+          </a:xfrm>
+          <a:prstGeom prst="rect">
+            <a:avLst/>
+          </a:prstGeom>
+          <a:noFill/>
+        </p:spPr>
+        <p:txBody>
+          <a:bodyPr wrap="square" rtlCol="0">
+            <a:spAutoFit/>
+          </a:bodyPr>
+          <a:lstStyle/>
+          <a:p>
+            <a:r>
+              <a:rPr lang="en-US" sz="3200" b="1" dirty="0">
+                <a:solidFill>
+                  <a:schemeClr val="accent5">
+                    <a:lumMod val="75000"/>
+                  </a:schemeClr>
+                </a:solidFill>
+              </a:rPr>
+              <a:t>PostgreSQL Commands</a:t>
+            </a:r>
+            <a:endParaRPr lang="en-US" sz="3200" b="1" dirty="0">
+              <a:solidFill>
+                <a:schemeClr val="accent5">
+                  <a:lumMod val="75000"/>
+                </a:schemeClr>
+              </a:solidFill>
+            </a:endParaRPr>
+          </a:p>
+        </p:txBody>
+      </p:sp>
+      <p:sp>
+        <p:nvSpPr>
+          <p:cNvPr id="4" name="Rectangle 3"/>
+          <p:cNvSpPr/>
+          <p:nvPr/>
+        </p:nvSpPr>
+        <p:spPr>
+          <a:xfrm flipV="1">
+            <a:off x="905345" y="1131229"/>
+            <a:ext cx="3548960" cy="27432"/>
+          </a:xfrm>
+          <a:prstGeom prst="rect">
+            <a:avLst/>
+          </a:prstGeom>
+          <a:solidFill>
+            <a:srgbClr val="316192"/>
+          </a:solidFill>
+        </p:spPr>
+        <p:style>
+          <a:lnRef idx="2">
+            <a:schemeClr val="accent1">
+              <a:shade val="50000"/>
+            </a:schemeClr>
+          </a:lnRef>
+          <a:fillRef idx="1">
+            <a:schemeClr val="accent1"/>
+          </a:fillRef>
+          <a:effectRef idx="0">
+            <a:schemeClr val="accent1"/>
+          </a:effectRef>
+          <a:fontRef idx="minor">
+            <a:schemeClr val="lt1"/>
+          </a:fontRef>
+        </p:style>
+        <p:txBody>
+          <a:bodyPr rot="0" spcFirstLastPara="0" vertOverflow="overflow" horzOverflow="overflow" vert="horz" wrap="square" lIns="91440" tIns="45720" rIns="91440" bIns="45720" numCol="1" spcCol="0" rtlCol="0" fromWordArt="0" anchor="ctr" anchorCtr="0" forceAA="0" compatLnSpc="1">
+            <a:prstTxWarp prst="textNoShape">
+              <a:avLst/>
+            </a:prstTxWarp>
+            <a:noAutofit/>
+          </a:bodyPr>
+          <a:lstStyle/>
+          <a:p>
+            <a:pPr algn="ctr"/>
+            <a:endParaRPr lang="en-US"/>
+          </a:p>
+        </p:txBody>
+      </p:sp>
+      <p:sp>
+        <p:nvSpPr>
+          <p:cNvPr id="15" name="TextBox 14"/>
+          <p:cNvSpPr txBox="1"/>
+          <p:nvPr/>
+        </p:nvSpPr>
+        <p:spPr>
+          <a:xfrm>
+            <a:off x="805756" y="1392839"/>
+            <a:ext cx="7650180" cy="323165"/>
+          </a:xfrm>
+          <a:prstGeom prst="rect">
+            <a:avLst/>
+          </a:prstGeom>
+          <a:noFill/>
+        </p:spPr>
+        <p:txBody>
+          <a:bodyPr wrap="square" rtlCol="0">
+            <a:spAutoFit/>
+          </a:bodyPr>
+          <a:lstStyle/>
+          <a:p>
+            <a:r>
+              <a:rPr lang="en-US" sz="1500" dirty="0" err="1" smtClean="0">
+                <a:solidFill>
+                  <a:schemeClr val="accent5">
+                    <a:lumMod val="75000"/>
+                  </a:schemeClr>
+                </a:solidFill>
+              </a:rPr>
+              <a:t>Làm</a:t>
+            </a:r>
+            <a:r>
+              <a:rPr lang="en-US" sz="1500" dirty="0" smtClean="0">
+                <a:solidFill>
+                  <a:schemeClr val="accent5">
+                    <a:lumMod val="75000"/>
+                  </a:schemeClr>
+                </a:solidFill>
+              </a:rPr>
+              <a:t> </a:t>
+            </a:r>
+            <a:r>
+              <a:rPr lang="en-US" sz="1500" dirty="0" err="1" smtClean="0">
+                <a:solidFill>
+                  <a:schemeClr val="accent5">
+                    <a:lumMod val="75000"/>
+                  </a:schemeClr>
+                </a:solidFill>
+              </a:rPr>
+              <a:t>quen</a:t>
+            </a:r>
+            <a:r>
+              <a:rPr lang="en-US" sz="1500" dirty="0" smtClean="0">
+                <a:solidFill>
+                  <a:schemeClr val="accent5">
+                    <a:lumMod val="75000"/>
+                  </a:schemeClr>
+                </a:solidFill>
+              </a:rPr>
+              <a:t> </a:t>
+            </a:r>
+            <a:r>
+              <a:rPr lang="en-US" sz="1500" dirty="0" err="1" smtClean="0">
+                <a:solidFill>
+                  <a:schemeClr val="accent5">
+                    <a:lumMod val="75000"/>
+                  </a:schemeClr>
+                </a:solidFill>
+              </a:rPr>
+              <a:t>với</a:t>
+            </a:r>
+            <a:r>
+              <a:rPr lang="en-US" sz="1500" dirty="0" smtClean="0">
+                <a:solidFill>
+                  <a:schemeClr val="accent5">
+                    <a:lumMod val="75000"/>
+                  </a:schemeClr>
+                </a:solidFill>
+              </a:rPr>
+              <a:t> </a:t>
+            </a:r>
+            <a:r>
+              <a:rPr lang="en-US" sz="1500" dirty="0" err="1" smtClean="0">
+                <a:solidFill>
+                  <a:schemeClr val="accent5">
+                    <a:lumMod val="75000"/>
+                  </a:schemeClr>
+                </a:solidFill>
+              </a:rPr>
+              <a:t>một</a:t>
+            </a:r>
+            <a:r>
+              <a:rPr lang="en-US" sz="1500" dirty="0" smtClean="0">
+                <a:solidFill>
+                  <a:schemeClr val="accent5">
+                    <a:lumMod val="75000"/>
+                  </a:schemeClr>
+                </a:solidFill>
+              </a:rPr>
+              <a:t> </a:t>
+            </a:r>
+            <a:r>
+              <a:rPr lang="en-US" sz="1500" dirty="0" err="1" smtClean="0">
+                <a:solidFill>
+                  <a:schemeClr val="accent5">
+                    <a:lumMod val="75000"/>
+                  </a:schemeClr>
+                </a:solidFill>
+              </a:rPr>
+              <a:t>số</a:t>
+            </a:r>
+            <a:r>
+              <a:rPr lang="en-US" sz="1500" dirty="0" smtClean="0">
+                <a:solidFill>
+                  <a:schemeClr val="accent5">
+                    <a:lumMod val="75000"/>
+                  </a:schemeClr>
+                </a:solidFill>
+              </a:rPr>
+              <a:t> </a:t>
+            </a:r>
+            <a:r>
+              <a:rPr lang="en-US" sz="1500" dirty="0" err="1" smtClean="0">
+                <a:solidFill>
+                  <a:schemeClr val="accent5">
+                    <a:lumMod val="75000"/>
+                  </a:schemeClr>
+                </a:solidFill>
+              </a:rPr>
+              <a:t>lệnh</a:t>
+            </a:r>
+            <a:r>
+              <a:rPr lang="en-US" sz="1500" dirty="0" smtClean="0">
+                <a:solidFill>
+                  <a:schemeClr val="accent5">
+                    <a:lumMod val="75000"/>
+                  </a:schemeClr>
+                </a:solidFill>
+              </a:rPr>
+              <a:t> </a:t>
+            </a:r>
+            <a:r>
+              <a:rPr lang="en-US" sz="1500" dirty="0" err="1" smtClean="0">
+                <a:solidFill>
+                  <a:schemeClr val="accent5">
+                    <a:lumMod val="75000"/>
+                  </a:schemeClr>
+                </a:solidFill>
+              </a:rPr>
+              <a:t>cơ</a:t>
+            </a:r>
+            <a:r>
+              <a:rPr lang="en-US" sz="1500" dirty="0" smtClean="0">
+                <a:solidFill>
+                  <a:schemeClr val="accent5">
+                    <a:lumMod val="75000"/>
+                  </a:schemeClr>
+                </a:solidFill>
+              </a:rPr>
+              <a:t> </a:t>
+            </a:r>
+            <a:r>
+              <a:rPr lang="en-US" sz="1500" dirty="0" err="1" smtClean="0">
+                <a:solidFill>
+                  <a:schemeClr val="accent5">
+                    <a:lumMod val="75000"/>
+                  </a:schemeClr>
+                </a:solidFill>
+              </a:rPr>
+              <a:t>bản</a:t>
+            </a:r>
+            <a:r>
+              <a:rPr lang="en-US" sz="1500" dirty="0" smtClean="0">
+                <a:solidFill>
+                  <a:schemeClr val="accent5">
+                    <a:lumMod val="75000"/>
+                  </a:schemeClr>
+                </a:solidFill>
+              </a:rPr>
+              <a:t> PostgreSQL </a:t>
+            </a:r>
+            <a:r>
+              <a:rPr lang="en-US" sz="1500" dirty="0" err="1" smtClean="0">
+                <a:solidFill>
+                  <a:schemeClr val="accent5">
+                    <a:lumMod val="75000"/>
+                  </a:schemeClr>
+                </a:solidFill>
+              </a:rPr>
+              <a:t>trong</a:t>
+            </a:r>
+            <a:r>
+              <a:rPr lang="en-US" sz="1500" dirty="0" smtClean="0">
+                <a:solidFill>
+                  <a:schemeClr val="accent5">
+                    <a:lumMod val="75000"/>
+                  </a:schemeClr>
+                </a:solidFill>
+              </a:rPr>
+              <a:t> SQL Shell (</a:t>
+            </a:r>
+            <a:r>
+              <a:rPr lang="en-US" sz="1500" dirty="0" err="1" smtClean="0">
+                <a:solidFill>
+                  <a:schemeClr val="accent5">
+                    <a:lumMod val="75000"/>
+                  </a:schemeClr>
+                </a:solidFill>
+              </a:rPr>
+              <a:t>psql</a:t>
+            </a:r>
+            <a:r>
+              <a:rPr lang="en-US" sz="1500" dirty="0" smtClean="0">
+                <a:solidFill>
+                  <a:schemeClr val="accent5">
+                    <a:lumMod val="75000"/>
+                  </a:schemeClr>
+                </a:solidFill>
+              </a:rPr>
+              <a:t>)</a:t>
+            </a:r>
+            <a:endParaRPr lang="en-US" sz="1500" b="1" dirty="0">
+              <a:solidFill>
+                <a:schemeClr val="accent5">
+                  <a:lumMod val="75000"/>
+                </a:schemeClr>
+              </a:solidFill>
+            </a:endParaRPr>
+          </a:p>
+        </p:txBody>
+      </p:sp>
+      <p:graphicFrame>
+        <p:nvGraphicFramePr>
+          <p:cNvPr id="2" name="Table 1"/>
+          <p:cNvGraphicFramePr>
+            <a:graphicFrameLocks noGrp="1"/>
+          </p:cNvGraphicFramePr>
+          <p:nvPr>
+            <p:extLst>
+              <p:ext uri="{D42A27DB-BD31-4B8C-83A1-F6EECF244321}">
+                <p14:modId xmlns:p14="http://schemas.microsoft.com/office/powerpoint/2010/main" val="2573882306"/>
+              </p:ext>
+            </p:extLst>
+          </p:nvPr>
+        </p:nvGraphicFramePr>
+        <p:xfrm>
+          <a:off x="905344" y="1912573"/>
+          <a:ext cx="7387629" cy="3337560"/>
+        </p:xfrm>
+        <a:graphic>
+          <a:graphicData uri="http://schemas.openxmlformats.org/drawingml/2006/table">
+            <a:tbl>
+              <a:tblPr firstRow="1" bandRow="1">
+                <a:tableStyleId>{5C22544A-7EE6-4342-B048-85BDC9FD1C3A}</a:tableStyleId>
+              </a:tblPr>
+              <a:tblGrid>
+                <a:gridCol w="1575306">
+                  <a:extLst>
+                    <a:ext uri="{9D8B030D-6E8A-4147-A177-3AD203B41FA5}">
+                      <a16:colId xmlns:a16="http://schemas.microsoft.com/office/drawing/2014/main" val="802419619"/>
+                    </a:ext>
+                  </a:extLst>
+                </a:gridCol>
+                <a:gridCol w="3920150">
+                  <a:extLst>
+                    <a:ext uri="{9D8B030D-6E8A-4147-A177-3AD203B41FA5}">
+                      <a16:colId xmlns:a16="http://schemas.microsoft.com/office/drawing/2014/main" val="1343374968"/>
+                    </a:ext>
+                  </a:extLst>
+                </a:gridCol>
+                <a:gridCol w="1892173">
+                  <a:extLst>
+                    <a:ext uri="{9D8B030D-6E8A-4147-A177-3AD203B41FA5}">
+                      <a16:colId xmlns:a16="http://schemas.microsoft.com/office/drawing/2014/main" val="2364582050"/>
+                    </a:ext>
+                  </a:extLst>
+                </a:gridCol>
+              </a:tblGrid>
+              <a:tr h="370840">
+                <a:tc>
+                  <a:txBody>
+                    <a:bodyPr/>
+                    <a:lstStyle/>
+                    <a:p>
+                      <a:r>
+                        <a:rPr lang="en-US" sz="1400" dirty="0" err="1" smtClean="0"/>
+                        <a:t>Lệnh</a:t>
+                      </a:r>
+                      <a:endParaRPr lang="en-US" sz="1400" dirty="0"/>
+                    </a:p>
+                  </a:txBody>
+                  <a:tcPr/>
+                </a:tc>
+                <a:tc>
+                  <a:txBody>
+                    <a:bodyPr/>
+                    <a:lstStyle/>
+                    <a:p>
+                      <a:r>
+                        <a:rPr lang="en-US" sz="1400" dirty="0" err="1" smtClean="0"/>
+                        <a:t>Mô</a:t>
+                      </a:r>
+                      <a:r>
+                        <a:rPr lang="en-US" sz="1400" baseline="0" dirty="0" smtClean="0"/>
+                        <a:t> </a:t>
+                      </a:r>
+                      <a:r>
+                        <a:rPr lang="en-US" sz="1400" baseline="0" dirty="0" err="1" smtClean="0"/>
+                        <a:t>tả</a:t>
+                      </a:r>
+                      <a:endParaRPr lang="en-US" sz="1400" dirty="0"/>
+                    </a:p>
+                  </a:txBody>
+                  <a:tcPr/>
+                </a:tc>
+                <a:tc>
+                  <a:txBody>
+                    <a:bodyPr/>
+                    <a:lstStyle/>
+                    <a:p>
+                      <a:r>
+                        <a:rPr lang="en-US" sz="1400" dirty="0" err="1" smtClean="0"/>
+                        <a:t>Ví</a:t>
+                      </a:r>
+                      <a:r>
+                        <a:rPr lang="en-US" sz="1400" baseline="0" dirty="0" smtClean="0"/>
+                        <a:t> </a:t>
+                      </a:r>
+                      <a:r>
+                        <a:rPr lang="en-US" sz="1400" baseline="0" dirty="0" err="1" smtClean="0"/>
+                        <a:t>dụ</a:t>
+                      </a:r>
+                      <a:endParaRPr lang="en-US" sz="1400" dirty="0"/>
+                    </a:p>
+                  </a:txBody>
+                  <a:tcPr/>
+                </a:tc>
+                <a:extLst>
+                  <a:ext uri="{0D108BD9-81ED-4DB2-BD59-A6C34878D82A}">
+                    <a16:rowId xmlns:a16="http://schemas.microsoft.com/office/drawing/2014/main" val="2080620287"/>
+                  </a:ext>
+                </a:extLst>
+              </a:tr>
+              <a:tr h="370840">
+                <a:tc>
+                  <a:txBody>
+                    <a:bodyPr/>
+                    <a:lstStyle/>
+                    <a:p>
+                      <a:r>
+                        <a:rPr lang="en-US" sz="1400" b="0" i="0" kern="1200" dirty="0" err="1" smtClean="0">
+                          <a:solidFill>
+                            <a:schemeClr val="dk1"/>
+                          </a:solidFill>
+                          <a:effectLst/>
+                          <a:latin typeface="+mn-lt"/>
+                          <a:ea typeface="+mn-ea"/>
+                          <a:cs typeface="+mn-cs"/>
+                        </a:rPr>
+                        <a:t>createdb</a:t>
+                      </a:r>
+                      <a:r>
+                        <a:rPr lang="en-US" sz="1400" b="0" i="0" kern="1200" dirty="0" smtClean="0">
+                          <a:solidFill>
+                            <a:schemeClr val="dk1"/>
+                          </a:solidFill>
+                          <a:effectLst/>
+                          <a:latin typeface="+mn-lt"/>
+                          <a:ea typeface="+mn-ea"/>
+                          <a:cs typeface="+mn-cs"/>
+                        </a:rPr>
+                        <a:t> </a:t>
+                      </a:r>
+                      <a:r>
+                        <a:rPr lang="en-US" sz="1400" b="0" i="0" kern="1200" dirty="0" err="1" smtClean="0">
+                          <a:solidFill>
+                            <a:schemeClr val="dk1"/>
+                          </a:solidFill>
+                          <a:effectLst/>
+                          <a:latin typeface="+mn-lt"/>
+                          <a:ea typeface="+mn-ea"/>
+                          <a:cs typeface="+mn-cs"/>
+                        </a:rPr>
+                        <a:t>dbname</a:t>
+                      </a:r>
+                      <a:endParaRPr lang="en-US" sz="1400" dirty="0"/>
+                    </a:p>
+                  </a:txBody>
+                  <a:tcPr/>
+                </a:tc>
+                <a:tc>
+                  <a:txBody>
+                    <a:bodyPr/>
+                    <a:lstStyle/>
+                    <a:p>
+                      <a:r>
+                        <a:rPr lang="en-US" sz="1400" dirty="0" err="1" smtClean="0"/>
+                        <a:t>Tạo</a:t>
+                      </a:r>
+                      <a:r>
+                        <a:rPr lang="en-US" sz="1400" baseline="0" dirty="0" smtClean="0"/>
+                        <a:t> </a:t>
+                      </a:r>
+                      <a:r>
+                        <a:rPr lang="en-US" sz="1400" baseline="0" dirty="0" err="1" smtClean="0"/>
+                        <a:t>một</a:t>
+                      </a:r>
+                      <a:r>
+                        <a:rPr lang="en-US" sz="1400" baseline="0" dirty="0" smtClean="0"/>
+                        <a:t> database </a:t>
+                      </a:r>
+                      <a:r>
+                        <a:rPr lang="en-US" sz="1400" baseline="0" dirty="0" err="1" smtClean="0"/>
+                        <a:t>với</a:t>
+                      </a:r>
+                      <a:r>
+                        <a:rPr lang="en-US" sz="1400" baseline="0" dirty="0" smtClean="0"/>
+                        <a:t> </a:t>
+                      </a:r>
+                      <a:r>
+                        <a:rPr lang="en-US" sz="1400" baseline="0" dirty="0" err="1" smtClean="0"/>
+                        <a:t>tên</a:t>
+                      </a:r>
+                      <a:r>
+                        <a:rPr lang="en-US" sz="1400" baseline="0" dirty="0" smtClean="0"/>
+                        <a:t> </a:t>
+                      </a:r>
+                      <a:r>
+                        <a:rPr lang="en-US" sz="1400" baseline="0" dirty="0" err="1" smtClean="0"/>
+                        <a:t>dbname</a:t>
+                      </a:r>
+                      <a:endParaRPr lang="en-US" sz="1400" dirty="0"/>
+                    </a:p>
+                  </a:txBody>
+                  <a:tcPr/>
+                </a:tc>
+                <a:tc>
+                  <a:txBody>
+                    <a:bodyPr/>
+                    <a:lstStyle/>
+                    <a:p>
+                      <a:endParaRPr lang="en-US" sz="1400" dirty="0"/>
+                    </a:p>
+                  </a:txBody>
+                  <a:tcPr/>
+                </a:tc>
+                <a:extLst>
+                  <a:ext uri="{0D108BD9-81ED-4DB2-BD59-A6C34878D82A}">
+                    <a16:rowId xmlns:a16="http://schemas.microsoft.com/office/drawing/2014/main" val="1471836729"/>
+                  </a:ext>
+                </a:extLst>
+              </a:tr>
+              <a:tr h="370840">
+                <a:tc>
+                  <a:txBody>
+                    <a:bodyPr/>
+                    <a:lstStyle/>
+                    <a:p>
+                      <a:r>
+                        <a:rPr lang="en-US" sz="1400" dirty="0" smtClean="0"/>
+                        <a:t>\c </a:t>
+                      </a:r>
+                      <a:r>
+                        <a:rPr lang="en-US" sz="1400" dirty="0" err="1" smtClean="0"/>
+                        <a:t>dbname</a:t>
+                      </a:r>
+                      <a:endParaRPr lang="en-US" sz="1400" dirty="0"/>
+                    </a:p>
+                  </a:txBody>
+                  <a:tcPr/>
+                </a:tc>
+                <a:tc>
+                  <a:txBody>
+                    <a:bodyPr/>
+                    <a:lstStyle/>
+                    <a:p>
+                      <a:r>
+                        <a:rPr lang="en-US" sz="1400" dirty="0" err="1" smtClean="0"/>
+                        <a:t>Kết</a:t>
+                      </a:r>
+                      <a:r>
+                        <a:rPr lang="en-US" sz="1400" baseline="0" dirty="0" smtClean="0"/>
+                        <a:t> </a:t>
+                      </a:r>
+                      <a:r>
+                        <a:rPr lang="en-US" sz="1400" baseline="0" dirty="0" err="1" smtClean="0"/>
+                        <a:t>nối</a:t>
+                      </a:r>
+                      <a:r>
+                        <a:rPr lang="en-US" sz="1400" baseline="0" dirty="0" smtClean="0"/>
+                        <a:t> </a:t>
+                      </a:r>
+                      <a:r>
+                        <a:rPr lang="en-US" sz="1400" baseline="0" dirty="0" err="1" smtClean="0"/>
+                        <a:t>tới</a:t>
+                      </a:r>
+                      <a:r>
+                        <a:rPr lang="en-US" sz="1400" baseline="0" dirty="0" smtClean="0"/>
+                        <a:t> </a:t>
+                      </a:r>
+                      <a:r>
+                        <a:rPr lang="en-US" sz="1400" baseline="0" dirty="0" err="1" smtClean="0"/>
+                        <a:t>databse</a:t>
+                      </a:r>
+                      <a:r>
+                        <a:rPr lang="en-US" sz="1400" baseline="0" dirty="0" smtClean="0"/>
+                        <a:t> </a:t>
+                      </a:r>
+                      <a:r>
+                        <a:rPr lang="en-US" sz="1400" baseline="0" dirty="0" err="1" smtClean="0"/>
+                        <a:t>có</a:t>
+                      </a:r>
+                      <a:r>
+                        <a:rPr lang="en-US" sz="1400" baseline="0" dirty="0" smtClean="0"/>
+                        <a:t> </a:t>
+                      </a:r>
+                      <a:r>
+                        <a:rPr lang="en-US" sz="1400" baseline="0" dirty="0" err="1" smtClean="0"/>
+                        <a:t>tên</a:t>
+                      </a:r>
+                      <a:r>
+                        <a:rPr lang="en-US" sz="1400" baseline="0" dirty="0" smtClean="0"/>
+                        <a:t> </a:t>
+                      </a:r>
+                      <a:r>
+                        <a:rPr lang="en-US" sz="1400" baseline="0" dirty="0" err="1" smtClean="0"/>
+                        <a:t>dbname</a:t>
+                      </a:r>
+                      <a:endParaRPr lang="en-US" sz="1400" dirty="0"/>
+                    </a:p>
+                  </a:txBody>
+                  <a:tcPr/>
+                </a:tc>
+                <a:tc>
+                  <a:txBody>
+                    <a:bodyPr/>
+                    <a:lstStyle/>
+                    <a:p>
+                      <a:r>
+                        <a:rPr lang="en-US" sz="1400" dirty="0" smtClean="0"/>
+                        <a:t>\c</a:t>
+                      </a:r>
+                      <a:r>
+                        <a:rPr lang="en-US" sz="1400" baseline="0" dirty="0" smtClean="0"/>
+                        <a:t> </a:t>
+                      </a:r>
+                      <a:r>
+                        <a:rPr lang="en-US" sz="1400" baseline="0" dirty="0" err="1" smtClean="0"/>
+                        <a:t>ecommercer</a:t>
+                      </a:r>
+                      <a:endParaRPr lang="en-US" sz="1400" dirty="0"/>
+                    </a:p>
+                  </a:txBody>
+                  <a:tcPr/>
+                </a:tc>
+                <a:extLst>
+                  <a:ext uri="{0D108BD9-81ED-4DB2-BD59-A6C34878D82A}">
+                    <a16:rowId xmlns:a16="http://schemas.microsoft.com/office/drawing/2014/main" val="3528842987"/>
+                  </a:ext>
+                </a:extLst>
+              </a:tr>
+              <a:tr h="370840">
+                <a:tc>
+                  <a:txBody>
+                    <a:bodyPr/>
+                    <a:lstStyle/>
+                    <a:p>
+                      <a:r>
+                        <a:rPr lang="en-US" sz="1400" dirty="0" smtClean="0"/>
+                        <a:t>\d</a:t>
+                      </a:r>
+                      <a:endParaRPr lang="en-US" sz="1400" dirty="0"/>
+                    </a:p>
+                  </a:txBody>
+                  <a:tcPr/>
+                </a:tc>
+                <a:tc>
+                  <a:txBody>
+                    <a:bodyPr/>
+                    <a:lstStyle/>
+                    <a:p>
+                      <a:r>
+                        <a:rPr lang="en-US" sz="1400" dirty="0" err="1" smtClean="0"/>
+                        <a:t>Liệt</a:t>
+                      </a:r>
+                      <a:r>
+                        <a:rPr lang="en-US" sz="1400" baseline="0" dirty="0" smtClean="0"/>
+                        <a:t> </a:t>
+                      </a:r>
+                      <a:r>
+                        <a:rPr lang="en-US" sz="1400" baseline="0" dirty="0" err="1" smtClean="0"/>
+                        <a:t>kê</a:t>
+                      </a:r>
+                      <a:r>
+                        <a:rPr lang="en-US" sz="1400" baseline="0" dirty="0" smtClean="0"/>
+                        <a:t> </a:t>
+                      </a:r>
+                      <a:r>
+                        <a:rPr lang="en-US" sz="1400" baseline="0" dirty="0" err="1" smtClean="0"/>
+                        <a:t>danh</a:t>
+                      </a:r>
+                      <a:r>
+                        <a:rPr lang="en-US" sz="1400" baseline="0" dirty="0" smtClean="0"/>
+                        <a:t> </a:t>
+                      </a:r>
+                      <a:r>
+                        <a:rPr lang="en-US" sz="1400" baseline="0" dirty="0" err="1" smtClean="0"/>
+                        <a:t>sách</a:t>
+                      </a:r>
+                      <a:r>
+                        <a:rPr lang="en-US" sz="1400" baseline="0" dirty="0" smtClean="0"/>
+                        <a:t> table</a:t>
+                      </a:r>
+                      <a:endParaRPr lang="en-US" sz="1400" dirty="0"/>
+                    </a:p>
+                  </a:txBody>
+                  <a:tcPr/>
+                </a:tc>
+                <a:tc>
+                  <a:txBody>
+                    <a:bodyPr/>
+                    <a:lstStyle/>
+                    <a:p>
+                      <a:endParaRPr lang="en-US" sz="1400" dirty="0"/>
+                    </a:p>
+                  </a:txBody>
+                  <a:tcPr/>
+                </a:tc>
+                <a:extLst>
+                  <a:ext uri="{0D108BD9-81ED-4DB2-BD59-A6C34878D82A}">
+                    <a16:rowId xmlns:a16="http://schemas.microsoft.com/office/drawing/2014/main" val="1409732493"/>
+                  </a:ext>
+                </a:extLst>
+              </a:tr>
+              <a:tr h="370840">
+                <a:tc>
+                  <a:txBody>
+                    <a:bodyPr/>
+                    <a:lstStyle/>
+                    <a:p>
+                      <a:r>
+                        <a:rPr lang="en-US" sz="1400" dirty="0" smtClean="0"/>
+                        <a:t>\d </a:t>
+                      </a:r>
+                      <a:r>
+                        <a:rPr lang="en-US" sz="1400" dirty="0" err="1" smtClean="0"/>
+                        <a:t>tbname</a:t>
+                      </a:r>
+                      <a:endParaRPr lang="en-US" sz="1400" dirty="0"/>
+                    </a:p>
+                  </a:txBody>
+                  <a:tcPr/>
+                </a:tc>
+                <a:tc>
+                  <a:txBody>
+                    <a:bodyPr/>
+                    <a:lstStyle/>
+                    <a:p>
+                      <a:r>
+                        <a:rPr lang="en-US" sz="1400" dirty="0" err="1" smtClean="0"/>
+                        <a:t>Thông</a:t>
+                      </a:r>
+                      <a:r>
+                        <a:rPr lang="en-US" sz="1400" baseline="0" dirty="0" smtClean="0"/>
+                        <a:t> tin chi </a:t>
+                      </a:r>
+                      <a:r>
+                        <a:rPr lang="en-US" sz="1400" baseline="0" dirty="0" err="1" smtClean="0"/>
+                        <a:t>tiết</a:t>
+                      </a:r>
+                      <a:r>
+                        <a:rPr lang="en-US" sz="1400" baseline="0" dirty="0" smtClean="0"/>
+                        <a:t> </a:t>
+                      </a:r>
+                      <a:r>
+                        <a:rPr lang="en-US" sz="1400" baseline="0" dirty="0" err="1" smtClean="0"/>
+                        <a:t>về</a:t>
+                      </a:r>
+                      <a:r>
+                        <a:rPr lang="en-US" sz="1400" baseline="0" dirty="0" smtClean="0"/>
+                        <a:t> table </a:t>
+                      </a:r>
+                      <a:r>
+                        <a:rPr lang="en-US" sz="1400" baseline="0" dirty="0" err="1" smtClean="0"/>
+                        <a:t>có</a:t>
+                      </a:r>
+                      <a:r>
+                        <a:rPr lang="en-US" sz="1400" baseline="0" dirty="0" smtClean="0"/>
+                        <a:t> </a:t>
+                      </a:r>
+                      <a:r>
+                        <a:rPr lang="en-US" sz="1400" baseline="0" dirty="0" err="1" smtClean="0"/>
+                        <a:t>tên</a:t>
+                      </a:r>
+                      <a:r>
+                        <a:rPr lang="en-US" sz="1400" baseline="0" dirty="0" smtClean="0"/>
+                        <a:t> </a:t>
+                      </a:r>
+                      <a:r>
+                        <a:rPr lang="en-US" sz="1400" baseline="0" dirty="0" err="1" smtClean="0"/>
+                        <a:t>tbname</a:t>
+                      </a:r>
+                      <a:endParaRPr lang="en-US" sz="1400" dirty="0"/>
+                    </a:p>
+                  </a:txBody>
+                  <a:tcPr/>
+                </a:tc>
+                <a:tc>
+                  <a:txBody>
+                    <a:bodyPr/>
+                    <a:lstStyle/>
+                    <a:p>
+                      <a:r>
+                        <a:rPr lang="en-US" sz="1400" dirty="0" smtClean="0"/>
+                        <a:t>\d user</a:t>
+                      </a:r>
+                      <a:endParaRPr lang="en-US" sz="1400" dirty="0"/>
+                    </a:p>
+                  </a:txBody>
+                  <a:tcPr/>
+                </a:tc>
+                <a:extLst>
+                  <a:ext uri="{0D108BD9-81ED-4DB2-BD59-A6C34878D82A}">
+                    <a16:rowId xmlns:a16="http://schemas.microsoft.com/office/drawing/2014/main" val="2163789615"/>
+                  </a:ext>
+                </a:extLst>
+              </a:tr>
+              <a:tr h="370840">
+                <a:tc>
+                  <a:txBody>
+                    <a:bodyPr/>
+                    <a:lstStyle/>
+                    <a:p>
+                      <a:r>
+                        <a:rPr lang="en-US" sz="1400" dirty="0" smtClean="0"/>
+                        <a:t>\?</a:t>
+                      </a:r>
+                      <a:endParaRPr lang="en-US" sz="1400" dirty="0"/>
+                    </a:p>
+                  </a:txBody>
+                  <a:tcPr/>
+                </a:tc>
+                <a:tc>
+                  <a:txBody>
+                    <a:bodyPr/>
+                    <a:lstStyle/>
+                    <a:p>
+                      <a:r>
+                        <a:rPr lang="en-US" sz="1400" dirty="0" err="1" smtClean="0"/>
+                        <a:t>Liệt</a:t>
+                      </a:r>
+                      <a:r>
+                        <a:rPr lang="en-US" sz="1400" baseline="0" dirty="0" smtClean="0"/>
+                        <a:t> </a:t>
+                      </a:r>
+                      <a:r>
+                        <a:rPr lang="en-US" sz="1400" baseline="0" dirty="0" err="1" smtClean="0"/>
+                        <a:t>kê</a:t>
+                      </a:r>
+                      <a:r>
+                        <a:rPr lang="en-US" sz="1400" baseline="0" dirty="0" smtClean="0"/>
+                        <a:t> </a:t>
+                      </a:r>
+                      <a:r>
+                        <a:rPr lang="en-US" sz="1400" baseline="0" dirty="0" err="1" smtClean="0"/>
+                        <a:t>danh</a:t>
+                      </a:r>
+                      <a:r>
+                        <a:rPr lang="en-US" sz="1400" baseline="0" dirty="0" smtClean="0"/>
+                        <a:t> </a:t>
+                      </a:r>
+                      <a:r>
+                        <a:rPr lang="en-US" sz="1400" baseline="0" dirty="0" err="1" smtClean="0"/>
+                        <a:t>sách</a:t>
+                      </a:r>
+                      <a:r>
+                        <a:rPr lang="en-US" sz="1400" baseline="0" dirty="0" smtClean="0"/>
+                        <a:t> </a:t>
+                      </a:r>
+                      <a:r>
+                        <a:rPr lang="en-US" sz="1400" baseline="0" dirty="0" err="1" smtClean="0"/>
+                        <a:t>lệnh</a:t>
+                      </a:r>
+                      <a:r>
+                        <a:rPr lang="en-US" sz="1400" baseline="0" dirty="0" smtClean="0"/>
+                        <a:t> </a:t>
+                      </a:r>
+                      <a:r>
+                        <a:rPr lang="en-US" sz="1400" baseline="0" dirty="0" err="1" smtClean="0"/>
+                        <a:t>và</a:t>
+                      </a:r>
+                      <a:r>
+                        <a:rPr lang="en-US" sz="1400" baseline="0" dirty="0" smtClean="0"/>
+                        <a:t> </a:t>
+                      </a:r>
+                      <a:r>
+                        <a:rPr lang="en-US" sz="1400" baseline="0" dirty="0" err="1" smtClean="0"/>
+                        <a:t>tùy</a:t>
+                      </a:r>
+                      <a:r>
+                        <a:rPr lang="en-US" sz="1400" baseline="0" dirty="0" smtClean="0"/>
+                        <a:t> </a:t>
+                      </a:r>
+                      <a:r>
+                        <a:rPr lang="en-US" sz="1400" baseline="0" dirty="0" err="1" smtClean="0"/>
+                        <a:t>chọn</a:t>
+                      </a:r>
+                      <a:endParaRPr lang="en-US" sz="1400" dirty="0"/>
+                    </a:p>
+                  </a:txBody>
+                  <a:tcPr/>
+                </a:tc>
+                <a:tc>
+                  <a:txBody>
+                    <a:bodyPr/>
+                    <a:lstStyle/>
+                    <a:p>
+                      <a:endParaRPr lang="en-US" sz="1400" dirty="0"/>
+                    </a:p>
+                  </a:txBody>
+                  <a:tcPr/>
+                </a:tc>
+                <a:extLst>
+                  <a:ext uri="{0D108BD9-81ED-4DB2-BD59-A6C34878D82A}">
+                    <a16:rowId xmlns:a16="http://schemas.microsoft.com/office/drawing/2014/main" val="2873478578"/>
+                  </a:ext>
+                </a:extLst>
+              </a:tr>
+              <a:tr h="370840">
+                <a:tc>
+                  <a:txBody>
+                    <a:bodyPr/>
+                    <a:lstStyle/>
+                    <a:p>
+                      <a:r>
+                        <a:rPr lang="en-US" sz="1400" dirty="0" smtClean="0"/>
+                        <a:t>\h</a:t>
+                      </a:r>
+                      <a:endParaRPr lang="en-US" sz="1400" dirty="0"/>
+                    </a:p>
+                  </a:txBody>
+                  <a:tcPr/>
+                </a:tc>
+                <a:tc>
+                  <a:txBody>
+                    <a:bodyPr/>
+                    <a:lstStyle/>
+                    <a:p>
+                      <a:r>
+                        <a:rPr lang="en-US" sz="1400" dirty="0" err="1" smtClean="0"/>
+                        <a:t>Liệt</a:t>
+                      </a:r>
+                      <a:r>
+                        <a:rPr lang="en-US" sz="1400" baseline="0" dirty="0" smtClean="0"/>
+                        <a:t> </a:t>
+                      </a:r>
+                      <a:r>
+                        <a:rPr lang="en-US" sz="1400" baseline="0" dirty="0" err="1" smtClean="0"/>
+                        <a:t>kê</a:t>
+                      </a:r>
+                      <a:r>
+                        <a:rPr lang="en-US" sz="1400" baseline="0" dirty="0" smtClean="0"/>
+                        <a:t> </a:t>
+                      </a:r>
+                      <a:r>
+                        <a:rPr lang="en-US" sz="1400" baseline="0" dirty="0" err="1" smtClean="0"/>
+                        <a:t>danh</a:t>
+                      </a:r>
+                      <a:r>
+                        <a:rPr lang="en-US" sz="1400" baseline="0" dirty="0" smtClean="0"/>
+                        <a:t> </a:t>
+                      </a:r>
+                      <a:r>
+                        <a:rPr lang="en-US" sz="1400" baseline="0" dirty="0" err="1" smtClean="0"/>
+                        <a:t>sách</a:t>
+                      </a:r>
+                      <a:r>
+                        <a:rPr lang="en-US" sz="1400" baseline="0" dirty="0" smtClean="0"/>
+                        <a:t> </a:t>
+                      </a:r>
+                      <a:r>
+                        <a:rPr lang="en-US" sz="1400" baseline="0" dirty="0" err="1" smtClean="0"/>
+                        <a:t>cú</a:t>
+                      </a:r>
+                      <a:r>
+                        <a:rPr lang="en-US" sz="1400" baseline="0" dirty="0" smtClean="0"/>
+                        <a:t> </a:t>
+                      </a:r>
+                      <a:r>
+                        <a:rPr lang="en-US" sz="1400" baseline="0" dirty="0" err="1" smtClean="0"/>
+                        <a:t>pháp</a:t>
+                      </a:r>
+                      <a:r>
+                        <a:rPr lang="en-US" sz="1400" baseline="0" dirty="0" smtClean="0"/>
+                        <a:t> SQL</a:t>
+                      </a:r>
+                      <a:endParaRPr lang="en-US" sz="1400" dirty="0"/>
+                    </a:p>
+                  </a:txBody>
+                  <a:tcPr/>
+                </a:tc>
+                <a:tc>
+                  <a:txBody>
+                    <a:bodyPr/>
+                    <a:lstStyle/>
+                    <a:p>
+                      <a:endParaRPr lang="en-US" sz="1400" dirty="0"/>
+                    </a:p>
+                  </a:txBody>
+                  <a:tcPr/>
+                </a:tc>
+                <a:extLst>
+                  <a:ext uri="{0D108BD9-81ED-4DB2-BD59-A6C34878D82A}">
+                    <a16:rowId xmlns:a16="http://schemas.microsoft.com/office/drawing/2014/main" val="3335150711"/>
+                  </a:ext>
+                </a:extLst>
+              </a:tr>
+              <a:tr h="370840">
+                <a:tc>
+                  <a:txBody>
+                    <a:bodyPr/>
+                    <a:lstStyle/>
+                    <a:p>
+                      <a:r>
+                        <a:rPr lang="en-US" sz="1400" dirty="0" smtClean="0"/>
+                        <a:t>\h topic</a:t>
+                      </a:r>
+                      <a:endParaRPr lang="en-US" sz="1400" dirty="0"/>
+                    </a:p>
+                  </a:txBody>
+                  <a:tcPr/>
+                </a:tc>
+                <a:tc>
+                  <a:txBody>
+                    <a:bodyPr/>
+                    <a:lstStyle/>
+                    <a:p>
+                      <a:r>
+                        <a:rPr lang="en-US" sz="1400" dirty="0" err="1" smtClean="0"/>
+                        <a:t>Mô</a:t>
+                      </a:r>
+                      <a:r>
+                        <a:rPr lang="en-US" sz="1400" baseline="0" dirty="0" smtClean="0"/>
+                        <a:t> </a:t>
+                      </a:r>
+                      <a:r>
+                        <a:rPr lang="en-US" sz="1400" baseline="0" dirty="0" err="1" smtClean="0"/>
+                        <a:t>tả</a:t>
+                      </a:r>
+                      <a:r>
+                        <a:rPr lang="en-US" sz="1400" baseline="0" dirty="0" smtClean="0"/>
+                        <a:t> chi </a:t>
+                      </a:r>
+                      <a:r>
+                        <a:rPr lang="en-US" sz="1400" baseline="0" dirty="0" err="1" smtClean="0"/>
+                        <a:t>tiết</a:t>
+                      </a:r>
+                      <a:r>
+                        <a:rPr lang="en-US" sz="1400" baseline="0" dirty="0" smtClean="0"/>
+                        <a:t> </a:t>
+                      </a:r>
+                      <a:r>
+                        <a:rPr lang="en-US" sz="1400" baseline="0" dirty="0" err="1" smtClean="0"/>
+                        <a:t>cú</a:t>
+                      </a:r>
+                      <a:r>
+                        <a:rPr lang="en-US" sz="1400" baseline="0" dirty="0" smtClean="0"/>
+                        <a:t> </a:t>
+                      </a:r>
+                      <a:r>
+                        <a:rPr lang="en-US" sz="1400" baseline="0" dirty="0" err="1" smtClean="0"/>
+                        <a:t>pháp</a:t>
+                      </a:r>
+                      <a:r>
+                        <a:rPr lang="en-US" sz="1400" baseline="0" dirty="0" smtClean="0"/>
+                        <a:t> </a:t>
+                      </a:r>
+                      <a:r>
+                        <a:rPr lang="en-US" sz="1400" baseline="0" dirty="0" err="1" smtClean="0"/>
+                        <a:t>một</a:t>
+                      </a:r>
+                      <a:r>
+                        <a:rPr lang="en-US" sz="1400" baseline="0" dirty="0" smtClean="0"/>
+                        <a:t> </a:t>
+                      </a:r>
+                      <a:r>
+                        <a:rPr lang="en-US" sz="1400" baseline="0" dirty="0" err="1" smtClean="0"/>
+                        <a:t>lệnh</a:t>
+                      </a:r>
+                      <a:r>
+                        <a:rPr lang="en-US" sz="1400" baseline="0" dirty="0" smtClean="0"/>
+                        <a:t> SQL</a:t>
+                      </a:r>
+                      <a:endParaRPr lang="en-US" sz="1400" dirty="0"/>
+                    </a:p>
+                  </a:txBody>
+                  <a:tcPr/>
+                </a:tc>
+                <a:tc>
+                  <a:txBody>
+                    <a:bodyPr/>
+                    <a:lstStyle/>
+                    <a:p>
+                      <a:r>
+                        <a:rPr lang="en-US" sz="1400" dirty="0" smtClean="0"/>
+                        <a:t>\h INSERT</a:t>
+                      </a:r>
+                      <a:endParaRPr lang="en-US" sz="1400" dirty="0"/>
+                    </a:p>
+                  </a:txBody>
+                  <a:tcPr/>
+                </a:tc>
+                <a:extLst>
+                  <a:ext uri="{0D108BD9-81ED-4DB2-BD59-A6C34878D82A}">
+                    <a16:rowId xmlns:a16="http://schemas.microsoft.com/office/drawing/2014/main" val="2629351819"/>
+                  </a:ext>
+                </a:extLst>
+              </a:tr>
+              <a:tr h="370840">
+                <a:tc>
+                  <a:txBody>
+                    <a:bodyPr/>
+                    <a:lstStyle/>
+                    <a:p>
+                      <a:r>
+                        <a:rPr lang="en-US" sz="1400" dirty="0" smtClean="0"/>
+                        <a:t>\q</a:t>
+                      </a:r>
+                      <a:endParaRPr lang="en-US" sz="1400" dirty="0"/>
+                    </a:p>
+                  </a:txBody>
+                  <a:tcPr/>
+                </a:tc>
+                <a:tc>
+                  <a:txBody>
+                    <a:bodyPr/>
+                    <a:lstStyle/>
+                    <a:p>
+                      <a:r>
+                        <a:rPr lang="en-US" sz="1400" dirty="0" err="1" smtClean="0"/>
+                        <a:t>Thoát</a:t>
+                      </a:r>
+                      <a:endParaRPr lang="en-US" sz="1400" dirty="0"/>
+                    </a:p>
+                  </a:txBody>
+                  <a:tcPr/>
+                </a:tc>
+                <a:tc>
+                  <a:txBody>
+                    <a:bodyPr/>
+                    <a:lstStyle/>
+                    <a:p>
+                      <a:endParaRPr lang="en-US" sz="1400" dirty="0"/>
+                    </a:p>
+                  </a:txBody>
+                  <a:tcPr/>
+                </a:tc>
+                <a:extLst>
+                  <a:ext uri="{0D108BD9-81ED-4DB2-BD59-A6C34878D82A}">
+                    <a16:rowId xmlns:a16="http://schemas.microsoft.com/office/drawing/2014/main" val="3089965925"/>
+                  </a:ext>
+                </a:extLst>
+              </a:tr>
+            </a:tbl>
+          </a:graphicData>
+        </a:graphic>
+      </p:graphicFrame>
+    </p:spTree>
+    <p:extLst>
+      <p:ext uri="{BB962C8B-B14F-4D97-AF65-F5344CB8AC3E}">
+        <p14:creationId xmlns:p14="http://schemas.microsoft.com/office/powerpoint/2010/main" val="4092821425"/>
+      </p:ext>
+    </p:extLst>
+  </p:cSld>
+  <p:clrMapOvr>
+    <a:masterClrMapping/>
+  </p:clrMapOvr>
+  <p:timing>
+    <p:tnLst>
+      <p:par>
+        <p:cTn id="1" dur="indefinite" restart="never" nodeType="tmRoot"/>
+      </p:par>
+    </p:tnLst>
+  </p:timing>
+</p:sld>
+</file>
+
 <file path=ppt/slides/slide3.xml><?xml version="1.0" encoding="utf-8"?>
 <p:sld xmlns:a="http://schemas.openxmlformats.org/drawingml/2006/main" xmlns:r="http://schemas.openxmlformats.org/officeDocument/2006/relationships" xmlns:p="http://schemas.openxmlformats.org/presentationml/2006/main">
   <p:cSld>
